--- a/slides/instruction/principleWindows_1.pptx
+++ b/slides/instruction/principleWindows_1.pptx
@@ -6123,11 +6123,7 @@
             </a:r>
             <a:r>
               <a:rPr lang="zh-CN" altLang="en-US" dirty="0"/>
-              <a:t>经过封装后提供给不同的</a:t>
-            </a:r>
-            <a:r>
-              <a:rPr lang="zh-CN" altLang="en-US"/>
-              <a:t>程序员使用</a:t>
+              <a:t>经过封装后提供给不同的程序员使用</a:t>
             </a:r>
             <a:endParaRPr lang="en-US" altLang="zh-CN" dirty="0"/>
           </a:p>
@@ -9299,15 +9295,22 @@
               <a:t>1.6 </a:t>
             </a:r>
             <a:r>
-              <a:rPr lang="zh-CN" altLang="en-US" sz="1600" b="1" dirty="0">
-                <a:solidFill>
-                  <a:srgbClr val="1C4885"/>
+              <a:rPr lang="en-US" altLang="zh-CN" sz="1600" b="1" dirty="0">
+                <a:solidFill>
+                  <a:srgbClr val="FF0000"/>
                 </a:solidFill>
                 <a:latin typeface="微软雅黑" panose="020B0503020204020204" pitchFamily="34" charset="-122"/>
                 <a:ea typeface="微软雅黑" panose="020B0503020204020204" pitchFamily="34" charset="-122"/>
               </a:rPr>
-              <a:t>字节编码与文件合并</a:t>
-            </a:r>
+              <a:t>FUTURE …</a:t>
+            </a:r>
+            <a:endParaRPr lang="zh-CN" altLang="en-US" sz="1600" b="1" dirty="0">
+              <a:solidFill>
+                <a:srgbClr val="FF0000"/>
+              </a:solidFill>
+              <a:latin typeface="微软雅黑" panose="020B0503020204020204" pitchFamily="34" charset="-122"/>
+              <a:ea typeface="微软雅黑" panose="020B0503020204020204" pitchFamily="34" charset="-122"/>
+            </a:endParaRPr>
           </a:p>
         </p:txBody>
       </p:sp>
@@ -17685,7 +17688,7 @@
         </p:nvSpPr>
         <p:spPr>
           <a:xfrm>
-            <a:off x="0" y="1120775"/>
+            <a:off x="192707" y="1120775"/>
             <a:ext cx="6983413" cy="520700"/>
           </a:xfrm>
         </p:spPr>
@@ -17724,7 +17727,7 @@
         </p:nvSpPr>
         <p:spPr>
           <a:xfrm>
-            <a:off x="0" y="1981200"/>
+            <a:off x="950639" y="1981200"/>
             <a:ext cx="6513513" cy="3248025"/>
           </a:xfrm>
         </p:spPr>
@@ -37249,6 +37252,8 @@
                     <a:lumMod val="50000"/>
                   </a:schemeClr>
                 </a:solidFill>
+                <a:latin typeface="微软雅黑" panose="020B0503020204020204" pitchFamily="34" charset="-122"/>
+                <a:ea typeface="微软雅黑" panose="020B0503020204020204" pitchFamily="34" charset="-122"/>
               </a:rPr>
               <a:t>   </a:t>
             </a:r>
@@ -37259,6 +37264,8 @@
                     <a:lumMod val="50000"/>
                   </a:schemeClr>
                 </a:solidFill>
+                <a:latin typeface="微软雅黑" panose="020B0503020204020204" pitchFamily="34" charset="-122"/>
+                <a:ea typeface="微软雅黑" panose="020B0503020204020204" pitchFamily="34" charset="-122"/>
               </a:rPr>
               <a:t>参考阅读网页</a:t>
             </a:r>
@@ -37268,6 +37275,8 @@
                   <a:lumMod val="50000"/>
                 </a:schemeClr>
               </a:solidFill>
+              <a:latin typeface="微软雅黑" panose="020B0503020204020204" pitchFamily="34" charset="-122"/>
+              <a:ea typeface="微软雅黑" panose="020B0503020204020204" pitchFamily="34" charset="-122"/>
             </a:endParaRPr>
           </a:p>
           <a:p>
@@ -37282,6 +37291,8 @@
                     <a:lumMod val="50000"/>
                   </a:schemeClr>
                 </a:solidFill>
+                <a:latin typeface="微软雅黑" panose="020B0503020204020204" pitchFamily="34" charset="-122"/>
+                <a:ea typeface="微软雅黑" panose="020B0503020204020204" pitchFamily="34" charset="-122"/>
               </a:rPr>
               <a:t>FLUENT</a:t>
             </a:r>
@@ -37292,6 +37303,8 @@
                     <a:lumMod val="50000"/>
                   </a:schemeClr>
                 </a:solidFill>
+                <a:latin typeface="微软雅黑" panose="020B0503020204020204" pitchFamily="34" charset="-122"/>
+                <a:ea typeface="微软雅黑" panose="020B0503020204020204" pitchFamily="34" charset="-122"/>
               </a:rPr>
               <a:t>官网 </a:t>
             </a:r>
@@ -37302,6 +37315,8 @@
                     <a:lumMod val="50000"/>
                   </a:schemeClr>
                 </a:solidFill>
+                <a:latin typeface="微软雅黑" panose="020B0503020204020204" pitchFamily="34" charset="-122"/>
+                <a:ea typeface="微软雅黑" panose="020B0503020204020204" pitchFamily="34" charset="-122"/>
                 <a:hlinkClick r:id="rId3"/>
               </a:rPr>
               <a:t>https://www.microsoft.com/design/fluent/</a:t>
@@ -37313,6 +37328,8 @@
                     <a:lumMod val="50000"/>
                   </a:schemeClr>
                 </a:solidFill>
+                <a:latin typeface="微软雅黑" panose="020B0503020204020204" pitchFamily="34" charset="-122"/>
+                <a:ea typeface="微软雅黑" panose="020B0503020204020204" pitchFamily="34" charset="-122"/>
               </a:rPr>
               <a:t> </a:t>
             </a:r>
@@ -37329,6 +37346,8 @@
                     <a:lumMod val="50000"/>
                   </a:schemeClr>
                 </a:solidFill>
+                <a:latin typeface="微软雅黑" panose="020B0503020204020204" pitchFamily="34" charset="-122"/>
+                <a:ea typeface="微软雅黑" panose="020B0503020204020204" pitchFamily="34" charset="-122"/>
                 <a:hlinkClick r:id="rId4"/>
               </a:rPr>
               <a:t>https://docs.microsoft.com/en-us/windows/uwp/design/fluent-design-system/index</a:t>
@@ -37340,6 +37359,8 @@
                     <a:lumMod val="50000"/>
                   </a:schemeClr>
                 </a:solidFill>
+                <a:latin typeface="微软雅黑" panose="020B0503020204020204" pitchFamily="34" charset="-122"/>
+                <a:ea typeface="微软雅黑" panose="020B0503020204020204" pitchFamily="34" charset="-122"/>
               </a:rPr>
               <a:t>  </a:t>
             </a:r>
@@ -37356,6 +37377,8 @@
                     <a:lumMod val="50000"/>
                   </a:schemeClr>
                 </a:solidFill>
+                <a:latin typeface="微软雅黑" panose="020B0503020204020204" pitchFamily="34" charset="-122"/>
+                <a:ea typeface="微软雅黑" panose="020B0503020204020204" pitchFamily="34" charset="-122"/>
               </a:rPr>
               <a:t>   五大核心元素：</a:t>
             </a:r>
@@ -37365,6 +37388,8 @@
                   <a:lumMod val="50000"/>
                 </a:schemeClr>
               </a:solidFill>
+              <a:latin typeface="微软雅黑" panose="020B0503020204020204" pitchFamily="34" charset="-122"/>
+              <a:ea typeface="微软雅黑" panose="020B0503020204020204" pitchFamily="34" charset="-122"/>
             </a:endParaRPr>
           </a:p>
           <a:p>
@@ -37379,6 +37404,8 @@
                     <a:lumMod val="50000"/>
                   </a:schemeClr>
                 </a:solidFill>
+                <a:latin typeface="微软雅黑" panose="020B0503020204020204" pitchFamily="34" charset="-122"/>
+                <a:ea typeface="微软雅黑" panose="020B0503020204020204" pitchFamily="34" charset="-122"/>
               </a:rPr>
               <a:t> </a:t>
             </a:r>
@@ -37389,6 +37416,8 @@
                     <a:lumMod val="50000"/>
                   </a:schemeClr>
                 </a:solidFill>
+                <a:latin typeface="微软雅黑" panose="020B0503020204020204" pitchFamily="34" charset="-122"/>
+                <a:ea typeface="微软雅黑" panose="020B0503020204020204" pitchFamily="34" charset="-122"/>
               </a:rPr>
               <a:t>Light</a:t>
             </a:r>
@@ -37399,6 +37428,8 @@
                     <a:lumMod val="50000"/>
                   </a:schemeClr>
                 </a:solidFill>
+                <a:latin typeface="微软雅黑" panose="020B0503020204020204" pitchFamily="34" charset="-122"/>
+                <a:ea typeface="微软雅黑" panose="020B0503020204020204" pitchFamily="34" charset="-122"/>
               </a:rPr>
               <a:t>（光感）</a:t>
             </a:r>
@@ -37408,6 +37439,8 @@
                   <a:lumMod val="50000"/>
                 </a:schemeClr>
               </a:solidFill>
+              <a:latin typeface="微软雅黑" panose="020B0503020204020204" pitchFamily="34" charset="-122"/>
+              <a:ea typeface="微软雅黑" panose="020B0503020204020204" pitchFamily="34" charset="-122"/>
             </a:endParaRPr>
           </a:p>
           <a:p>
@@ -37422,6 +37455,8 @@
                     <a:lumMod val="50000"/>
                   </a:schemeClr>
                 </a:solidFill>
+                <a:latin typeface="微软雅黑" panose="020B0503020204020204" pitchFamily="34" charset="-122"/>
+                <a:ea typeface="微软雅黑" panose="020B0503020204020204" pitchFamily="34" charset="-122"/>
               </a:rPr>
               <a:t> Depth</a:t>
             </a:r>
@@ -37432,6 +37467,8 @@
                     <a:lumMod val="50000"/>
                   </a:schemeClr>
                 </a:solidFill>
+                <a:latin typeface="微软雅黑" panose="020B0503020204020204" pitchFamily="34" charset="-122"/>
+                <a:ea typeface="微软雅黑" panose="020B0503020204020204" pitchFamily="34" charset="-122"/>
               </a:rPr>
               <a:t>（深度）</a:t>
             </a:r>
@@ -37441,6 +37478,8 @@
                   <a:lumMod val="50000"/>
                 </a:schemeClr>
               </a:solidFill>
+              <a:latin typeface="微软雅黑" panose="020B0503020204020204" pitchFamily="34" charset="-122"/>
+              <a:ea typeface="微软雅黑" panose="020B0503020204020204" pitchFamily="34" charset="-122"/>
             </a:endParaRPr>
           </a:p>
           <a:p>
@@ -37455,6 +37494,8 @@
                     <a:lumMod val="50000"/>
                   </a:schemeClr>
                 </a:solidFill>
+                <a:latin typeface="微软雅黑" panose="020B0503020204020204" pitchFamily="34" charset="-122"/>
+                <a:ea typeface="微软雅黑" panose="020B0503020204020204" pitchFamily="34" charset="-122"/>
               </a:rPr>
               <a:t> Motion</a:t>
             </a:r>
@@ -37465,6 +37506,8 @@
                     <a:lumMod val="50000"/>
                   </a:schemeClr>
                 </a:solidFill>
+                <a:latin typeface="微软雅黑" panose="020B0503020204020204" pitchFamily="34" charset="-122"/>
+                <a:ea typeface="微软雅黑" panose="020B0503020204020204" pitchFamily="34" charset="-122"/>
               </a:rPr>
               <a:t>（动画）</a:t>
             </a:r>
@@ -37474,6 +37517,8 @@
                   <a:lumMod val="50000"/>
                 </a:schemeClr>
               </a:solidFill>
+              <a:latin typeface="微软雅黑" panose="020B0503020204020204" pitchFamily="34" charset="-122"/>
+              <a:ea typeface="微软雅黑" panose="020B0503020204020204" pitchFamily="34" charset="-122"/>
             </a:endParaRPr>
           </a:p>
           <a:p>
@@ -37488,6 +37533,8 @@
                     <a:lumMod val="50000"/>
                   </a:schemeClr>
                 </a:solidFill>
+                <a:latin typeface="微软雅黑" panose="020B0503020204020204" pitchFamily="34" charset="-122"/>
+                <a:ea typeface="微软雅黑" panose="020B0503020204020204" pitchFamily="34" charset="-122"/>
               </a:rPr>
               <a:t> Material</a:t>
             </a:r>
@@ -37498,6 +37545,8 @@
                     <a:lumMod val="50000"/>
                   </a:schemeClr>
                 </a:solidFill>
+                <a:latin typeface="微软雅黑" panose="020B0503020204020204" pitchFamily="34" charset="-122"/>
+                <a:ea typeface="微软雅黑" panose="020B0503020204020204" pitchFamily="34" charset="-122"/>
               </a:rPr>
               <a:t>（材质）</a:t>
             </a:r>
@@ -37507,6 +37556,8 @@
                   <a:lumMod val="50000"/>
                 </a:schemeClr>
               </a:solidFill>
+              <a:latin typeface="微软雅黑" panose="020B0503020204020204" pitchFamily="34" charset="-122"/>
+              <a:ea typeface="微软雅黑" panose="020B0503020204020204" pitchFamily="34" charset="-122"/>
             </a:endParaRPr>
           </a:p>
           <a:p>
@@ -37521,6 +37572,8 @@
                     <a:lumMod val="50000"/>
                   </a:schemeClr>
                 </a:solidFill>
+                <a:latin typeface="微软雅黑" panose="020B0503020204020204" pitchFamily="34" charset="-122"/>
+                <a:ea typeface="微软雅黑" panose="020B0503020204020204" pitchFamily="34" charset="-122"/>
               </a:rPr>
               <a:t> Scale</a:t>
             </a:r>
@@ -37531,6 +37584,8 @@
                     <a:lumMod val="50000"/>
                   </a:schemeClr>
                 </a:solidFill>
+                <a:latin typeface="微软雅黑" panose="020B0503020204020204" pitchFamily="34" charset="-122"/>
+                <a:ea typeface="微软雅黑" panose="020B0503020204020204" pitchFamily="34" charset="-122"/>
               </a:rPr>
               <a:t>（缩放）</a:t>
             </a:r>
@@ -37540,6 +37595,8 @@
                   <a:lumMod val="50000"/>
                 </a:schemeClr>
               </a:solidFill>
+              <a:latin typeface="微软雅黑" panose="020B0503020204020204" pitchFamily="34" charset="-122"/>
+              <a:ea typeface="微软雅黑" panose="020B0503020204020204" pitchFamily="34" charset="-122"/>
             </a:endParaRPr>
           </a:p>
         </p:txBody>
@@ -37625,6 +37682,8 @@
                 <a:solidFill>
                   <a:schemeClr val="bg1"/>
                 </a:solidFill>
+                <a:latin typeface="微软雅黑" panose="020B0503020204020204" pitchFamily="34" charset="-122"/>
+                <a:ea typeface="微软雅黑" panose="020B0503020204020204" pitchFamily="34" charset="-122"/>
               </a:rPr>
               <a:t>nVidia</a:t>
             </a:r>
@@ -37633,6 +37692,8 @@
                 <a:solidFill>
                   <a:schemeClr val="bg1"/>
                 </a:solidFill>
+                <a:latin typeface="微软雅黑" panose="020B0503020204020204" pitchFamily="34" charset="-122"/>
+                <a:ea typeface="微软雅黑" panose="020B0503020204020204" pitchFamily="34" charset="-122"/>
               </a:rPr>
               <a:t> 的实时光线追踪技术与</a:t>
             </a:r>
@@ -37640,6 +37701,8 @@
               <a:solidFill>
                 <a:schemeClr val="bg1"/>
               </a:solidFill>
+              <a:latin typeface="微软雅黑" panose="020B0503020204020204" pitchFamily="34" charset="-122"/>
+              <a:ea typeface="微软雅黑" panose="020B0503020204020204" pitchFamily="34" charset="-122"/>
             </a:endParaRPr>
           </a:p>
           <a:p>
@@ -37650,6 +37713,8 @@
                     <a:lumMod val="50000"/>
                   </a:schemeClr>
                 </a:solidFill>
+                <a:latin typeface="微软雅黑" panose="020B0503020204020204" pitchFamily="34" charset="-122"/>
+                <a:ea typeface="微软雅黑" panose="020B0503020204020204" pitchFamily="34" charset="-122"/>
               </a:rPr>
               <a:t>机器学习使</a:t>
             </a:r>
@@ -37660,6 +37725,8 @@
                     <a:lumMod val="50000"/>
                   </a:schemeClr>
                 </a:solidFill>
+                <a:latin typeface="微软雅黑" panose="020B0503020204020204" pitchFamily="34" charset="-122"/>
+                <a:ea typeface="微软雅黑" panose="020B0503020204020204" pitchFamily="34" charset="-122"/>
               </a:rPr>
               <a:t>Fluent</a:t>
             </a:r>
@@ -37670,10 +37737,59 @@
                     <a:lumMod val="50000"/>
                   </a:schemeClr>
                 </a:solidFill>
+                <a:latin typeface="微软雅黑" panose="020B0503020204020204" pitchFamily="34" charset="-122"/>
+                <a:ea typeface="微软雅黑" panose="020B0503020204020204" pitchFamily="34" charset="-122"/>
               </a:rPr>
               <a:t>的前景充满遐想</a:t>
             </a:r>
-            <a:endParaRPr lang="zh-CN" altLang="en-US" dirty="0"/>
+            <a:endParaRPr lang="zh-CN" altLang="en-US" dirty="0">
+              <a:latin typeface="微软雅黑" panose="020B0503020204020204" pitchFamily="34" charset="-122"/>
+              <a:ea typeface="微软雅黑" panose="020B0503020204020204" pitchFamily="34" charset="-122"/>
+            </a:endParaRPr>
+          </a:p>
+        </p:txBody>
+      </p:sp>
+      <p:sp>
+        <p:nvSpPr>
+          <p:cNvPr id="2" name="文本框 1">
+            <a:extLst>
+              <a:ext uri="{FF2B5EF4-FFF2-40B4-BE49-F238E27FC236}">
+                <a16:creationId xmlns:a16="http://schemas.microsoft.com/office/drawing/2014/main" id="{44161F5B-092C-41EF-A588-EDB38C74B70C}"/>
+              </a:ext>
+            </a:extLst>
+          </p:cNvPr>
+          <p:cNvSpPr txBox="1"/>
+          <p:nvPr/>
+        </p:nvSpPr>
+        <p:spPr>
+          <a:xfrm>
+            <a:off x="6672064" y="4725144"/>
+            <a:ext cx="5328592" cy="396583"/>
+          </a:xfrm>
+          <a:prstGeom prst="rect">
+            <a:avLst/>
+          </a:prstGeom>
+          <a:noFill/>
+        </p:spPr>
+        <p:txBody>
+          <a:bodyPr wrap="square" rtlCol="0">
+            <a:spAutoFit/>
+          </a:bodyPr>
+          <a:lstStyle/>
+          <a:p>
+            <a:pPr algn="ctr"/>
+            <a:r>
+              <a:rPr lang="zh-CN" altLang="en-US" sz="1800" dirty="0">
+                <a:solidFill>
+                  <a:schemeClr val="bg2">
+                    <a:lumMod val="50000"/>
+                  </a:schemeClr>
+                </a:solidFill>
+                <a:latin typeface="微软雅黑" panose="020B0503020204020204" pitchFamily="34" charset="-122"/>
+                <a:ea typeface="微软雅黑" panose="020B0503020204020204" pitchFamily="34" charset="-122"/>
+              </a:rPr>
+              <a:t>硬件成本的快速下降将极大推动技术的进步与普及</a:t>
+            </a:r>
           </a:p>
         </p:txBody>
       </p:sp>
@@ -45702,8 +45818,9 @@
             <a:r>
               <a:rPr lang="en-US" altLang="zh-CN" sz="1800" b="1" dirty="0">
                 <a:solidFill>
-                  <a:schemeClr val="accent2">
-                    <a:lumMod val="50000"/>
+                  <a:schemeClr val="accent6">
+                    <a:lumMod val="60000"/>
+                    <a:lumOff val="40000"/>
                   </a:schemeClr>
                 </a:solidFill>
               </a:rPr>
@@ -45712,8 +45829,9 @@
             <a:r>
               <a:rPr lang="zh-CN" altLang="en-US" sz="1800" b="1" dirty="0">
                 <a:solidFill>
-                  <a:schemeClr val="accent2">
-                    <a:lumMod val="50000"/>
+                  <a:schemeClr val="accent6">
+                    <a:lumMod val="60000"/>
+                    <a:lumOff val="40000"/>
                   </a:schemeClr>
                 </a:solidFill>
               </a:rPr>
@@ -45721,8 +45839,9 @@
             </a:r>
             <a:endParaRPr lang="en-US" altLang="zh-CN" sz="1800" b="1" dirty="0">
               <a:solidFill>
-                <a:schemeClr val="accent2">
-                  <a:lumMod val="50000"/>
+                <a:schemeClr val="accent6">
+                  <a:lumMod val="60000"/>
+                  <a:lumOff val="40000"/>
                 </a:schemeClr>
               </a:solidFill>
             </a:endParaRPr>
@@ -46337,6 +46456,175 @@
               <a:t>https://developer.microsoft.com/en-us/windows/windows-10-for-developers</a:t>
             </a:r>
             <a:endParaRPr lang="zh-CN" altLang="en-US" sz="1800" dirty="0"/>
+          </a:p>
+        </p:txBody>
+      </p:sp>
+      <p:sp>
+        <p:nvSpPr>
+          <p:cNvPr id="4" name="文本框 3">
+            <a:extLst>
+              <a:ext uri="{FF2B5EF4-FFF2-40B4-BE49-F238E27FC236}">
+                <a16:creationId xmlns:a16="http://schemas.microsoft.com/office/drawing/2014/main" id="{D493A27C-7747-434C-ADC3-C8ADE8A8284D}"/>
+              </a:ext>
+            </a:extLst>
+          </p:cNvPr>
+          <p:cNvSpPr txBox="1"/>
+          <p:nvPr/>
+        </p:nvSpPr>
+        <p:spPr>
+          <a:xfrm>
+            <a:off x="3359696" y="5340865"/>
+            <a:ext cx="5616624" cy="1292149"/>
+          </a:xfrm>
+          <a:prstGeom prst="rect">
+            <a:avLst/>
+          </a:prstGeom>
+          <a:noFill/>
+        </p:spPr>
+        <p:txBody>
+          <a:bodyPr wrap="square" rtlCol="0">
+            <a:spAutoFit/>
+          </a:bodyPr>
+          <a:lstStyle/>
+          <a:p>
+            <a:pPr algn="ctr"/>
+            <a:r>
+              <a:rPr lang="en-US" altLang="zh-CN" sz="2000" dirty="0">
+                <a:solidFill>
+                  <a:srgbClr val="002060"/>
+                </a:solidFill>
+                <a:latin typeface="微软雅黑" panose="020B0503020204020204" pitchFamily="34" charset="-122"/>
+                <a:ea typeface="微软雅黑" panose="020B0503020204020204" pitchFamily="34" charset="-122"/>
+              </a:rPr>
+              <a:t>AI </a:t>
+            </a:r>
+            <a:r>
+              <a:rPr lang="zh-CN" altLang="en-US" sz="2000" dirty="0">
+                <a:solidFill>
+                  <a:srgbClr val="002060"/>
+                </a:solidFill>
+                <a:latin typeface="微软雅黑" panose="020B0503020204020204" pitchFamily="34" charset="-122"/>
+                <a:ea typeface="微软雅黑" panose="020B0503020204020204" pitchFamily="34" charset="-122"/>
+              </a:rPr>
+              <a:t>时代技术进化的速度越来越快</a:t>
+            </a:r>
+            <a:endParaRPr lang="en-US" altLang="zh-CN" sz="2000" dirty="0">
+              <a:solidFill>
+                <a:srgbClr val="002060"/>
+              </a:solidFill>
+              <a:latin typeface="微软雅黑" panose="020B0503020204020204" pitchFamily="34" charset="-122"/>
+              <a:ea typeface="微软雅黑" panose="020B0503020204020204" pitchFamily="34" charset="-122"/>
+            </a:endParaRPr>
+          </a:p>
+          <a:p>
+            <a:pPr algn="ctr"/>
+            <a:r>
+              <a:rPr lang="zh-CN" altLang="en-US" sz="2000" dirty="0">
+                <a:solidFill>
+                  <a:srgbClr val="002060"/>
+                </a:solidFill>
+                <a:latin typeface="微软雅黑" panose="020B0503020204020204" pitchFamily="34" charset="-122"/>
+                <a:ea typeface="微软雅黑" panose="020B0503020204020204" pitchFamily="34" charset="-122"/>
+              </a:rPr>
+              <a:t>紧追时代</a:t>
+            </a:r>
+            <a:r>
+              <a:rPr lang="en-US" altLang="zh-CN" sz="2000" dirty="0">
+                <a:solidFill>
+                  <a:srgbClr val="002060"/>
+                </a:solidFill>
+                <a:latin typeface="微软雅黑" panose="020B0503020204020204" pitchFamily="34" charset="-122"/>
+                <a:ea typeface="微软雅黑" panose="020B0503020204020204" pitchFamily="34" charset="-122"/>
+              </a:rPr>
+              <a:t>/</a:t>
+            </a:r>
+            <a:r>
+              <a:rPr lang="zh-CN" altLang="en-US" sz="2000" dirty="0">
+                <a:solidFill>
+                  <a:srgbClr val="002060"/>
+                </a:solidFill>
+                <a:latin typeface="微软雅黑" panose="020B0503020204020204" pitchFamily="34" charset="-122"/>
+                <a:ea typeface="微软雅黑" panose="020B0503020204020204" pitchFamily="34" charset="-122"/>
+              </a:rPr>
+              <a:t>技术的步伐才能</a:t>
+            </a:r>
+            <a:endParaRPr lang="en-US" altLang="zh-CN" sz="2000" dirty="0">
+              <a:solidFill>
+                <a:srgbClr val="002060"/>
+              </a:solidFill>
+              <a:latin typeface="微软雅黑" panose="020B0503020204020204" pitchFamily="34" charset="-122"/>
+              <a:ea typeface="微软雅黑" panose="020B0503020204020204" pitchFamily="34" charset="-122"/>
+            </a:endParaRPr>
+          </a:p>
+          <a:p>
+            <a:pPr algn="ctr"/>
+            <a:r>
+              <a:rPr lang="zh-CN" altLang="en-US" sz="2000" dirty="0">
+                <a:solidFill>
+                  <a:srgbClr val="002060"/>
+                </a:solidFill>
+                <a:latin typeface="微软雅黑" panose="020B0503020204020204" pitchFamily="34" charset="-122"/>
+                <a:ea typeface="微软雅黑" panose="020B0503020204020204" pitchFamily="34" charset="-122"/>
+              </a:rPr>
+              <a:t>不被时代淘汰</a:t>
+            </a:r>
+            <a:r>
+              <a:rPr lang="en-US" altLang="zh-CN" sz="2000" dirty="0">
+                <a:solidFill>
+                  <a:srgbClr val="002060"/>
+                </a:solidFill>
+                <a:latin typeface="微软雅黑" panose="020B0503020204020204" pitchFamily="34" charset="-122"/>
+                <a:ea typeface="微软雅黑" panose="020B0503020204020204" pitchFamily="34" charset="-122"/>
+              </a:rPr>
+              <a:t>……</a:t>
+            </a:r>
+            <a:r>
+              <a:rPr lang="zh-CN" altLang="en-US" sz="2000" dirty="0">
+                <a:solidFill>
+                  <a:srgbClr val="002060"/>
+                </a:solidFill>
+                <a:latin typeface="微软雅黑" panose="020B0503020204020204" pitchFamily="34" charset="-122"/>
+                <a:ea typeface="微软雅黑" panose="020B0503020204020204" pitchFamily="34" charset="-122"/>
+              </a:rPr>
+              <a:t>不被</a:t>
+            </a:r>
+            <a:r>
+              <a:rPr lang="en-US" altLang="zh-CN" sz="2000" dirty="0">
+                <a:solidFill>
+                  <a:srgbClr val="002060"/>
+                </a:solidFill>
+                <a:latin typeface="微软雅黑" panose="020B0503020204020204" pitchFamily="34" charset="-122"/>
+                <a:ea typeface="微软雅黑" panose="020B0503020204020204" pitchFamily="34" charset="-122"/>
+              </a:rPr>
+              <a:t>AI</a:t>
+            </a:r>
+            <a:r>
+              <a:rPr lang="zh-CN" altLang="en-US" sz="2000" dirty="0">
+                <a:solidFill>
+                  <a:srgbClr val="002060"/>
+                </a:solidFill>
+                <a:latin typeface="微软雅黑" panose="020B0503020204020204" pitchFamily="34" charset="-122"/>
+                <a:ea typeface="微软雅黑" panose="020B0503020204020204" pitchFamily="34" charset="-122"/>
+              </a:rPr>
+              <a:t>淘汰</a:t>
+            </a:r>
+            <a:r>
+              <a:rPr lang="en-US" altLang="zh-CN" sz="2000" dirty="0">
+                <a:solidFill>
+                  <a:srgbClr val="002060"/>
+                </a:solidFill>
+                <a:latin typeface="微软雅黑" panose="020B0503020204020204" pitchFamily="34" charset="-122"/>
+                <a:ea typeface="微软雅黑" panose="020B0503020204020204" pitchFamily="34" charset="-122"/>
+              </a:rPr>
+              <a:t>……</a:t>
+            </a:r>
+            <a:endParaRPr lang="zh-CN" altLang="en-US" sz="2000" dirty="0">
+              <a:solidFill>
+                <a:srgbClr val="002060"/>
+              </a:solidFill>
+              <a:latin typeface="微软雅黑" panose="020B0503020204020204" pitchFamily="34" charset="-122"/>
+              <a:ea typeface="微软雅黑" panose="020B0503020204020204" pitchFamily="34" charset="-122"/>
+            </a:endParaRPr>
           </a:p>
         </p:txBody>
       </p:sp>
